--- a/30_results/To the Moon.pptx
+++ b/30_results/To the Moon.pptx
@@ -4983,7 +4983,7 @@
               <a:rPr lang="en-US" sz="2000" dirty="0">
                 <a:latin typeface="Franklin Gothic Book" panose="020B0503020102020204" pitchFamily="34" charset="0"/>
               </a:rPr>
-              <a:t>Predicting the Price of BTC Using Time Series</a:t>
+              <a:t>Predicting the Price of BTC Using Time Series Models</a:t>
             </a:r>
           </a:p>
         </p:txBody>
@@ -8442,8 +8442,8 @@
           </a:prstGeom>
         </p:spPr>
       </p:pic>
-      <mc:AlternateContent xmlns:mc="http://schemas.openxmlformats.org/markup-compatibility/2006">
-        <mc:Choice xmlns:a14="http://schemas.microsoft.com/office/drawing/2010/main" Requires="a14">
+      <mc:AlternateContent xmlns:mc="http://schemas.openxmlformats.org/markup-compatibility/2006" xmlns:a14="http://schemas.microsoft.com/office/drawing/2010/main">
+        <mc:Choice Requires="a14">
           <p:sp>
             <p:nvSpPr>
               <p:cNvPr id="15" name="TextBox 14">
@@ -8610,7 +8610,7 @@
             </p:txBody>
           </p:sp>
         </mc:Choice>
-        <mc:Fallback>
+        <mc:Fallback xmlns="">
           <p:sp>
             <p:nvSpPr>
               <p:cNvPr id="15" name="TextBox 14">
@@ -9793,8 +9793,8 @@
           </a:p>
         </p:txBody>
       </p:sp>
-      <mc:AlternateContent xmlns:mc="http://schemas.openxmlformats.org/markup-compatibility/2006">
-        <mc:Choice xmlns:a14="http://schemas.microsoft.com/office/drawing/2010/main" Requires="a14">
+      <mc:AlternateContent xmlns:mc="http://schemas.openxmlformats.org/markup-compatibility/2006" xmlns:a14="http://schemas.microsoft.com/office/drawing/2010/main">
+        <mc:Choice Requires="a14">
           <p:sp>
             <p:nvSpPr>
               <p:cNvPr id="11" name="TextBox 10">
@@ -10057,7 +10057,7 @@
             </p:txBody>
           </p:sp>
         </mc:Choice>
-        <mc:Fallback>
+        <mc:Fallback xmlns="">
           <p:sp>
             <p:nvSpPr>
               <p:cNvPr id="11" name="TextBox 10">
